--- a/Week04/day-05/Demo.pptx
+++ b/Week04/day-05/Demo.pptx
@@ -13,11 +13,12 @@
     <p:sldId id="274" r:id="rId7"/>
     <p:sldId id="275" r:id="rId8"/>
     <p:sldId id="276" r:id="rId9"/>
-    <p:sldId id="271" r:id="rId10"/>
-    <p:sldId id="277" r:id="rId11"/>
-    <p:sldId id="278" r:id="rId12"/>
-    <p:sldId id="272" r:id="rId13"/>
-    <p:sldId id="267" r:id="rId14"/>
+    <p:sldId id="279" r:id="rId10"/>
+    <p:sldId id="271" r:id="rId11"/>
+    <p:sldId id="277" r:id="rId12"/>
+    <p:sldId id="278" r:id="rId13"/>
+    <p:sldId id="272" r:id="rId14"/>
+    <p:sldId id="267" r:id="rId15"/>
   </p:sldIdLst>
   <p:sldSz cx="9144000" cy="6858000" type="screen4x3"/>
   <p:notesSz cx="6858000" cy="9144000"/>
@@ -257,7 +258,7 @@
             <a:fld id="{7D2B3880-049A-4678-9ACE-2F637E71BA50}" type="datetimeFigureOut">
               <a:rPr lang="hu-HU" smtClean="0"/>
               <a:pPr/>
-              <a:t>2018. 03. 08.</a:t>
+              <a:t>2018. 03. 09.</a:t>
             </a:fld>
             <a:endParaRPr lang="hu-HU"/>
           </a:p>
@@ -1128,7 +1129,7 @@
             <a:fld id="{7D2B3880-049A-4678-9ACE-2F637E71BA50}" type="datetimeFigureOut">
               <a:rPr lang="hu-HU" smtClean="0"/>
               <a:pPr/>
-              <a:t>2018. 03. 08.</a:t>
+              <a:t>2018. 03. 09.</a:t>
             </a:fld>
             <a:endParaRPr lang="hu-HU"/>
           </a:p>
@@ -1305,7 +1306,7 @@
             <a:fld id="{7D2B3880-049A-4678-9ACE-2F637E71BA50}" type="datetimeFigureOut">
               <a:rPr lang="hu-HU" smtClean="0"/>
               <a:pPr/>
-              <a:t>2018. 03. 08.</a:t>
+              <a:t>2018. 03. 09.</a:t>
             </a:fld>
             <a:endParaRPr lang="hu-HU"/>
           </a:p>
@@ -1477,7 +1478,7 @@
             <a:fld id="{7D2B3880-049A-4678-9ACE-2F637E71BA50}" type="datetimeFigureOut">
               <a:rPr lang="hu-HU" smtClean="0"/>
               <a:pPr/>
-              <a:t>2018. 03. 08.</a:t>
+              <a:t>2018. 03. 09.</a:t>
             </a:fld>
             <a:endParaRPr lang="hu-HU"/>
           </a:p>
@@ -1689,7 +1690,7 @@
             <a:fld id="{7D2B3880-049A-4678-9ACE-2F637E71BA50}" type="datetimeFigureOut">
               <a:rPr lang="hu-HU" smtClean="0"/>
               <a:pPr/>
-              <a:t>2018. 03. 08.</a:t>
+              <a:t>2018. 03. 09.</a:t>
             </a:fld>
             <a:endParaRPr lang="hu-HU"/>
           </a:p>
@@ -2505,7 +2506,7 @@
             <a:fld id="{7D2B3880-049A-4678-9ACE-2F637E71BA50}" type="datetimeFigureOut">
               <a:rPr lang="hu-HU" smtClean="0"/>
               <a:pPr/>
-              <a:t>2018. 03. 08.</a:t>
+              <a:t>2018. 03. 09.</a:t>
             </a:fld>
             <a:endParaRPr lang="hu-HU"/>
           </a:p>
@@ -2743,7 +2744,7 @@
             <a:fld id="{7D2B3880-049A-4678-9ACE-2F637E71BA50}" type="datetimeFigureOut">
               <a:rPr lang="hu-HU" smtClean="0"/>
               <a:pPr/>
-              <a:t>2018. 03. 08.</a:t>
+              <a:t>2018. 03. 09.</a:t>
             </a:fld>
             <a:endParaRPr lang="hu-HU"/>
           </a:p>
@@ -3068,7 +3069,7 @@
             <a:fld id="{7D2B3880-049A-4678-9ACE-2F637E71BA50}" type="datetimeFigureOut">
               <a:rPr lang="hu-HU" smtClean="0"/>
               <a:pPr/>
-              <a:t>2018. 03. 08.</a:t>
+              <a:t>2018. 03. 09.</a:t>
             </a:fld>
             <a:endParaRPr lang="hu-HU"/>
           </a:p>
@@ -3160,7 +3161,7 @@
             <a:fld id="{7D2B3880-049A-4678-9ACE-2F637E71BA50}" type="datetimeFigureOut">
               <a:rPr lang="hu-HU" smtClean="0"/>
               <a:pPr/>
-              <a:t>2018. 03. 08.</a:t>
+              <a:t>2018. 03. 09.</a:t>
             </a:fld>
             <a:endParaRPr lang="hu-HU"/>
           </a:p>
@@ -3679,7 +3680,7 @@
             <a:fld id="{7D2B3880-049A-4678-9ACE-2F637E71BA50}" type="datetimeFigureOut">
               <a:rPr lang="hu-HU" smtClean="0"/>
               <a:pPr/>
-              <a:t>2018. 03. 08.</a:t>
+              <a:t>2018. 03. 09.</a:t>
             </a:fld>
             <a:endParaRPr lang="hu-HU"/>
           </a:p>
@@ -4192,7 +4193,7 @@
             <a:fld id="{7D2B3880-049A-4678-9ACE-2F637E71BA50}" type="datetimeFigureOut">
               <a:rPr lang="hu-HU" smtClean="0"/>
               <a:pPr/>
-              <a:t>2018. 03. 08.</a:t>
+              <a:t>2018. 03. 09.</a:t>
             </a:fld>
             <a:endParaRPr lang="hu-HU"/>
           </a:p>
@@ -4439,7 +4440,7 @@
             <a:fld id="{7D2B3880-049A-4678-9ACE-2F637E71BA50}" type="datetimeFigureOut">
               <a:rPr lang="hu-HU" smtClean="0"/>
               <a:pPr/>
-              <a:t>2018. 03. 08.</a:t>
+              <a:t>2018. 03. 09.</a:t>
             </a:fld>
             <a:endParaRPr lang="hu-HU"/>
           </a:p>
@@ -5069,11 +5070,7 @@
           <a:p>
             <a:r>
               <a:rPr lang="hu-HU" sz="5400" dirty="0" smtClean="0"/>
-              <a:t>Week </a:t>
-            </a:r>
-            <a:r>
-              <a:rPr lang="hu-HU" sz="5400" dirty="0" smtClean="0"/>
-              <a:t>04</a:t>
+              <a:t>Week 04</a:t>
             </a:r>
             <a:endParaRPr lang="hu-HU" sz="5400" dirty="0"/>
           </a:p>
@@ -5117,8 +5114,8 @@
         </p:nvSpPr>
         <p:spPr>
           <a:xfrm>
-            <a:off x="4429092" y="6273225"/>
-            <a:ext cx="4714908" cy="584775"/>
+            <a:off x="4429092" y="5572140"/>
+            <a:ext cx="4714908" cy="1138773"/>
           </a:xfrm>
           <a:prstGeom prst="rect">
             <a:avLst/>
@@ -5133,10 +5130,29 @@
           <a:p>
             <a:pPr algn="ctr"/>
             <a:r>
+              <a:rPr lang="hu-HU" sz="3600" b="1" dirty="0" smtClean="0">
+                <a:solidFill>
+                  <a:schemeClr val="tx2"/>
+                </a:solidFill>
+              </a:rPr>
+              <a:t>Alexandra Rujzam</a:t>
+            </a:r>
+            <a:r>
+              <a:rPr lang="hu-HU" sz="2800" b="1" dirty="0" smtClean="0">
+                <a:latin typeface="Bahnschrift Light" pitchFamily="34" charset="0"/>
+              </a:rPr>
+              <a:t/>
+            </a:r>
+            <a:br>
+              <a:rPr lang="hu-HU" sz="2800" b="1" dirty="0" smtClean="0">
+                <a:latin typeface="Bahnschrift Light" pitchFamily="34" charset="0"/>
+              </a:rPr>
+            </a:br>
+            <a:r>
               <a:rPr lang="hu-HU" sz="1600" dirty="0" smtClean="0">
                 <a:latin typeface="Bahnschrift Light" pitchFamily="34" charset="0"/>
               </a:rPr>
-              <a:t>Alexandra Rujzam</a:t>
+              <a:t/>
             </a:r>
             <a:br>
               <a:rPr lang="hu-HU" sz="1600" dirty="0" smtClean="0">
@@ -5199,92 +5215,123 @@
         </p:nvSpPr>
         <p:spPr/>
         <p:txBody>
+          <a:bodyPr>
+            <a:normAutofit fontScale="90000"/>
+          </a:bodyPr>
+          <a:lstStyle/>
+          <a:p>
+            <a:r>
+              <a:rPr lang="hu-HU" sz="4000" b="1" dirty="0" smtClean="0"/>
+              <a:t>What we learned this week</a:t>
+            </a:r>
+            <a:endParaRPr lang="hu-HU" sz="4000" b="1" dirty="0"/>
+          </a:p>
+        </p:txBody>
+      </p:sp>
+      <p:sp>
+        <p:nvSpPr>
+          <p:cNvPr id="3" name="Content Placeholder 2"/>
+          <p:cNvSpPr>
+            <a:spLocks noGrp="1"/>
+          </p:cNvSpPr>
+          <p:nvPr>
+            <p:ph sz="quarter" idx="1"/>
+          </p:nvPr>
+        </p:nvSpPr>
+        <p:spPr>
+          <a:xfrm>
+            <a:off x="500034" y="1785926"/>
+            <a:ext cx="7467600" cy="4873752"/>
+          </a:xfrm>
+        </p:spPr>
+        <p:txBody>
           <a:bodyPr/>
           <a:lstStyle/>
           <a:p>
-            <a:endParaRPr lang="hu-HU"/>
-          </a:p>
-        </p:txBody>
-      </p:sp>
-      <p:sp>
-        <p:nvSpPr>
-          <p:cNvPr id="3" name="Content Placeholder 2"/>
-          <p:cNvSpPr>
-            <a:spLocks noGrp="1"/>
-          </p:cNvSpPr>
-          <p:nvPr>
-            <p:ph sz="quarter" idx="1"/>
-          </p:nvPr>
-        </p:nvSpPr>
-        <p:spPr/>
-        <p:txBody>
-          <a:bodyPr/>
-          <a:lstStyle/>
-          <a:p>
             <a:r>
               <a:rPr lang="hu-HU" dirty="0" smtClean="0"/>
-              <a:t/>
+              <a:t>Stress Management Training </a:t>
+            </a:r>
+          </a:p>
+          <a:p>
+            <a:r>
+              <a:rPr lang="hu-HU" dirty="0" smtClean="0"/>
+              <a:t>Trial Exam</a:t>
+            </a:r>
+          </a:p>
+          <a:p>
+            <a:r>
+              <a:rPr lang="hu-HU" dirty="0" smtClean="0"/>
+              <a:t>Inheritance</a:t>
+            </a:r>
+          </a:p>
+          <a:p>
+            <a:r>
+              <a:rPr lang="hu-HU" dirty="0" smtClean="0"/>
+              <a:t>Abstracts and Interfaces</a:t>
+            </a:r>
+          </a:p>
+          <a:p>
+            <a:r>
+              <a:rPr lang="hu-HU" dirty="0" smtClean="0"/>
+              <a:t>Unit Testing</a:t>
             </a:r>
             <a:br>
               <a:rPr lang="hu-HU" dirty="0" smtClean="0"/>
             </a:br>
-            <a:r>
-              <a:rPr lang="hu-HU" dirty="0" smtClean="0"/>
-              <a:t/>
+            <a:endParaRPr lang="hu-HU" dirty="0" smtClean="0"/>
+          </a:p>
+        </p:txBody>
+      </p:sp>
+      <p:sp>
+        <p:nvSpPr>
+          <p:cNvPr id="5" name="TextBox 4"/>
+          <p:cNvSpPr txBox="1"/>
+          <p:nvPr/>
+        </p:nvSpPr>
+        <p:spPr>
+          <a:xfrm>
+            <a:off x="4214810" y="6273225"/>
+            <a:ext cx="4714908" cy="584775"/>
+          </a:xfrm>
+          <a:prstGeom prst="rect">
+            <a:avLst/>
+          </a:prstGeom>
+          <a:noFill/>
+        </p:spPr>
+        <p:txBody>
+          <a:bodyPr wrap="square" rtlCol="0">
+            <a:spAutoFit/>
+          </a:bodyPr>
+          <a:lstStyle/>
+          <a:p>
+            <a:pPr algn="ctr"/>
+            <a:r>
+              <a:rPr lang="hu-HU" sz="1600" dirty="0" smtClean="0">
+                <a:latin typeface="Bahnschrift Light" pitchFamily="34" charset="0"/>
+              </a:rPr>
+              <a:t>Alexandra Rujzam</a:t>
             </a:r>
             <a:br>
-              <a:rPr lang="hu-HU" dirty="0" smtClean="0"/>
+              <a:rPr lang="hu-HU" sz="1600" dirty="0" smtClean="0">
+                <a:latin typeface="Bahnschrift Light" pitchFamily="34" charset="0"/>
+              </a:rPr>
             </a:br>
             <a:r>
-              <a:rPr lang="hu-HU" dirty="0" smtClean="0"/>
-              <a:t/>
-            </a:r>
-            <a:br>
-              <a:rPr lang="hu-HU" dirty="0" smtClean="0"/>
-            </a:br>
-            <a:r>
-              <a:rPr lang="hu-HU" dirty="0" smtClean="0"/>
-              <a:t/>
-            </a:r>
-            <a:br>
-              <a:rPr lang="hu-HU" dirty="0" smtClean="0"/>
-            </a:br>
-            <a:r>
-              <a:rPr lang="hu-HU" dirty="0" smtClean="0"/>
-              <a:t/>
-            </a:r>
-            <a:br>
-              <a:rPr lang="hu-HU" dirty="0" smtClean="0"/>
-            </a:br>
-            <a:r>
-              <a:rPr lang="hu-HU" dirty="0" smtClean="0"/>
-              <a:t/>
-            </a:r>
-            <a:br>
-              <a:rPr lang="hu-HU" dirty="0" smtClean="0"/>
-            </a:br>
-            <a:r>
-              <a:rPr lang="hu-HU" dirty="0" smtClean="0"/>
-              <a:t/>
-            </a:r>
-            <a:br>
-              <a:rPr lang="hu-HU" dirty="0" smtClean="0"/>
-            </a:br>
-            <a:r>
-              <a:rPr lang="hu-HU" dirty="0" smtClean="0"/>
-              <a:t>		</a:t>
-            </a:r>
-            <a:r>
-              <a:rPr lang="hu-HU" sz="4400" dirty="0" smtClean="0"/>
-              <a:t>Sorting by Unicode</a:t>
-            </a:r>
-            <a:endParaRPr lang="hu-HU" sz="4400" dirty="0"/>
+              <a:rPr lang="hu-HU" sz="1600" dirty="0" smtClean="0">
+                <a:latin typeface="Bahnschrift Light" pitchFamily="34" charset="0"/>
+              </a:rPr>
+              <a:t>https://github.com/greenfox-academy/szapszap</a:t>
+            </a:r>
+            <a:endParaRPr lang="hu-HU" sz="1600" dirty="0">
+              <a:latin typeface="Bahnschrift Light" pitchFamily="34" charset="0"/>
+            </a:endParaRPr>
           </a:p>
         </p:txBody>
       </p:sp>
       <p:pic>
         <p:nvPicPr>
-          <p:cNvPr id="7170" name="Picture 2"/>
+          <p:cNvPr id="2050" name="Picture 2"/>
           <p:cNvPicPr>
             <a:picLocks noChangeAspect="1" noChangeArrowheads="1"/>
           </p:cNvPicPr>
@@ -5299,8 +5346,8 @@
         </p:blipFill>
         <p:spPr bwMode="auto">
           <a:xfrm>
-            <a:off x="214282" y="642918"/>
-            <a:ext cx="7298582" cy="3071834"/>
+            <a:off x="4429124" y="2500306"/>
+            <a:ext cx="4177487" cy="3105156"/>
           </a:xfrm>
           <a:prstGeom prst="rect">
             <a:avLst/>
@@ -5320,6 +5367,13 @@
   <p:clrMapOvr>
     <a:masterClrMapping/>
   </p:clrMapOvr>
+  <p:timing>
+    <p:tnLst>
+      <p:par>
+        <p:cTn id="1" dur="indefinite" restart="never" nodeType="tmRoot"/>
+      </p:par>
+    </p:tnLst>
+  </p:timing>
 </p:sld>
 </file>
 
@@ -5374,13 +5428,70 @@
           <a:bodyPr/>
           <a:lstStyle/>
           <a:p>
-            <a:endParaRPr lang="hu-HU"/>
+            <a:r>
+              <a:rPr lang="hu-HU" dirty="0" smtClean="0"/>
+              <a:t/>
+            </a:r>
+            <a:br>
+              <a:rPr lang="hu-HU" dirty="0" smtClean="0"/>
+            </a:br>
+            <a:r>
+              <a:rPr lang="hu-HU" dirty="0" smtClean="0"/>
+              <a:t/>
+            </a:r>
+            <a:br>
+              <a:rPr lang="hu-HU" dirty="0" smtClean="0"/>
+            </a:br>
+            <a:r>
+              <a:rPr lang="hu-HU" dirty="0" smtClean="0"/>
+              <a:t/>
+            </a:r>
+            <a:br>
+              <a:rPr lang="hu-HU" dirty="0" smtClean="0"/>
+            </a:br>
+            <a:r>
+              <a:rPr lang="hu-HU" dirty="0" smtClean="0"/>
+              <a:t/>
+            </a:r>
+            <a:br>
+              <a:rPr lang="hu-HU" dirty="0" smtClean="0"/>
+            </a:br>
+            <a:r>
+              <a:rPr lang="hu-HU" dirty="0" smtClean="0"/>
+              <a:t/>
+            </a:r>
+            <a:br>
+              <a:rPr lang="hu-HU" dirty="0" smtClean="0"/>
+            </a:br>
+            <a:r>
+              <a:rPr lang="hu-HU" dirty="0" smtClean="0"/>
+              <a:t/>
+            </a:r>
+            <a:br>
+              <a:rPr lang="hu-HU" dirty="0" smtClean="0"/>
+            </a:br>
+            <a:r>
+              <a:rPr lang="hu-HU" dirty="0" smtClean="0"/>
+              <a:t/>
+            </a:r>
+            <a:br>
+              <a:rPr lang="hu-HU" dirty="0" smtClean="0"/>
+            </a:br>
+            <a:r>
+              <a:rPr lang="hu-HU" dirty="0" smtClean="0"/>
+              <a:t>		</a:t>
+            </a:r>
+            <a:r>
+              <a:rPr lang="hu-HU" sz="4400" dirty="0" smtClean="0"/>
+              <a:t>Sorting by Unicode</a:t>
+            </a:r>
+            <a:endParaRPr lang="hu-HU" sz="4400" dirty="0"/>
           </a:p>
         </p:txBody>
       </p:sp>
       <p:pic>
         <p:nvPicPr>
-          <p:cNvPr id="8194" name="Picture 2"/>
+          <p:cNvPr id="7170" name="Picture 2"/>
           <p:cNvPicPr>
             <a:picLocks noChangeAspect="1" noChangeArrowheads="1"/>
           </p:cNvPicPr>
@@ -5395,8 +5506,8 @@
         </p:blipFill>
         <p:spPr bwMode="auto">
           <a:xfrm>
-            <a:off x="214282" y="1142984"/>
-            <a:ext cx="5524329" cy="2776551"/>
+            <a:off x="214282" y="642918"/>
+            <a:ext cx="7298582" cy="3071834"/>
           </a:xfrm>
           <a:prstGeom prst="rect">
             <a:avLst/>
@@ -5448,6 +5559,102 @@
         </p:nvSpPr>
         <p:spPr/>
         <p:txBody>
+          <a:bodyPr/>
+          <a:lstStyle/>
+          <a:p>
+            <a:endParaRPr lang="hu-HU"/>
+          </a:p>
+        </p:txBody>
+      </p:sp>
+      <p:sp>
+        <p:nvSpPr>
+          <p:cNvPr id="3" name="Content Placeholder 2"/>
+          <p:cNvSpPr>
+            <a:spLocks noGrp="1"/>
+          </p:cNvSpPr>
+          <p:nvPr>
+            <p:ph sz="quarter" idx="1"/>
+          </p:nvPr>
+        </p:nvSpPr>
+        <p:spPr/>
+        <p:txBody>
+          <a:bodyPr/>
+          <a:lstStyle/>
+          <a:p>
+            <a:endParaRPr lang="hu-HU"/>
+          </a:p>
+        </p:txBody>
+      </p:sp>
+      <p:pic>
+        <p:nvPicPr>
+          <p:cNvPr id="8194" name="Picture 2"/>
+          <p:cNvPicPr>
+            <a:picLocks noChangeAspect="1" noChangeArrowheads="1"/>
+          </p:cNvPicPr>
+          <p:nvPr/>
+        </p:nvPicPr>
+        <p:blipFill>
+          <a:blip r:embed="rId2"/>
+          <a:srcRect/>
+          <a:stretch>
+            <a:fillRect/>
+          </a:stretch>
+        </p:blipFill>
+        <p:spPr bwMode="auto">
+          <a:xfrm>
+            <a:off x="214282" y="1142984"/>
+            <a:ext cx="5524329" cy="2776551"/>
+          </a:xfrm>
+          <a:prstGeom prst="rect">
+            <a:avLst/>
+          </a:prstGeom>
+          <a:noFill/>
+          <a:ln w="9525">
+            <a:noFill/>
+            <a:miter lim="800000"/>
+            <a:headEnd/>
+            <a:tailEnd/>
+          </a:ln>
+          <a:effectLst/>
+        </p:spPr>
+      </p:pic>
+    </p:spTree>
+  </p:cSld>
+  <p:clrMapOvr>
+    <a:masterClrMapping/>
+  </p:clrMapOvr>
+</p:sld>
+</file>
+
+<file path=ppt/slides/slide13.xml><?xml version="1.0" encoding="utf-8"?>
+<p:sld xmlns:a="http://schemas.openxmlformats.org/drawingml/2006/main" xmlns:r="http://schemas.openxmlformats.org/officeDocument/2006/relationships" xmlns:p="http://schemas.openxmlformats.org/presentationml/2006/main">
+  <p:cSld>
+    <p:spTree>
+      <p:nvGrpSpPr>
+        <p:cNvPr id="1" name=""/>
+        <p:cNvGrpSpPr/>
+        <p:nvPr/>
+      </p:nvGrpSpPr>
+      <p:grpSpPr>
+        <a:xfrm>
+          <a:off x="0" y="0"/>
+          <a:ext cx="0" cy="0"/>
+          <a:chOff x="0" y="0"/>
+          <a:chExt cx="0" cy="0"/>
+        </a:xfrm>
+      </p:grpSpPr>
+      <p:sp>
+        <p:nvSpPr>
+          <p:cNvPr id="2" name="Title 1"/>
+          <p:cNvSpPr>
+            <a:spLocks noGrp="1"/>
+          </p:cNvSpPr>
+          <p:nvPr>
+            <p:ph type="title"/>
+          </p:nvPr>
+        </p:nvSpPr>
+        <p:spPr/>
+        <p:txBody>
           <a:bodyPr>
             <a:normAutofit fontScale="90000"/>
           </a:bodyPr>
@@ -5485,7 +5692,6 @@
               <a:rPr lang="hu-HU" dirty="0" smtClean="0"/>
               <a:t>Stress Management Training </a:t>
             </a:r>
-            <a:endParaRPr lang="hu-HU" dirty="0" smtClean="0"/>
           </a:p>
           <a:p>
             <a:r>
@@ -5515,10 +5721,6 @@
             <a:r>
               <a:rPr lang="hu-HU" dirty="0" smtClean="0"/>
               <a:t>Todo App</a:t>
-            </a:r>
-            <a:r>
-              <a:rPr lang="hu-HU" dirty="0" smtClean="0"/>
-              <a:t/>
             </a:r>
             <a:br>
               <a:rPr lang="hu-HU" dirty="0" smtClean="0"/>
@@ -5588,7 +5790,7 @@
 </p:sld>
 </file>
 
-<file path=ppt/slides/slide13.xml><?xml version="1.0" encoding="utf-8"?>
+<file path=ppt/slides/slide14.xml><?xml version="1.0" encoding="utf-8"?>
 <p:sld xmlns:a="http://schemas.openxmlformats.org/drawingml/2006/main" xmlns:r="http://schemas.openxmlformats.org/officeDocument/2006/relationships" xmlns:p="http://schemas.openxmlformats.org/presentationml/2006/main">
   <p:cSld>
     <p:spTree>
@@ -5806,16 +6008,11 @@
               <a:rPr lang="hu-HU" dirty="0" smtClean="0"/>
               <a:t>Stress Management Training </a:t>
             </a:r>
-            <a:endParaRPr lang="hu-HU" dirty="0" smtClean="0"/>
           </a:p>
           <a:p>
             <a:r>
               <a:rPr lang="hu-HU" dirty="0" smtClean="0"/>
               <a:t>Trial Exam</a:t>
-            </a:r>
-            <a:r>
-              <a:rPr lang="hu-HU" dirty="0" smtClean="0"/>
-              <a:t/>
             </a:r>
             <a:br>
               <a:rPr lang="hu-HU" dirty="0" smtClean="0"/>
@@ -5951,7 +6148,6 @@
               <a:rPr lang="hu-HU" dirty="0" smtClean="0"/>
               <a:t>Stress Management Training </a:t>
             </a:r>
-            <a:endParaRPr lang="hu-HU" dirty="0" smtClean="0"/>
           </a:p>
           <a:p>
             <a:r>
@@ -5963,10 +6159,6 @@
             <a:r>
               <a:rPr lang="hu-HU" dirty="0" smtClean="0"/>
               <a:t>Inheritance</a:t>
-            </a:r>
-            <a:r>
-              <a:rPr lang="hu-HU" dirty="0" smtClean="0"/>
-              <a:t/>
             </a:r>
             <a:br>
               <a:rPr lang="hu-HU" dirty="0" smtClean="0"/>
@@ -6135,7 +6327,6 @@
               <a:rPr lang="hu-HU" dirty="0" smtClean="0"/>
               <a:t>Stress Management Training </a:t>
             </a:r>
-            <a:endParaRPr lang="hu-HU" dirty="0" smtClean="0"/>
           </a:p>
           <a:p>
             <a:r>
@@ -6153,10 +6344,6 @@
             <a:r>
               <a:rPr lang="hu-HU" dirty="0" smtClean="0"/>
               <a:t>Abstracts and Interfaces</a:t>
-            </a:r>
-            <a:r>
-              <a:rPr lang="hu-HU" dirty="0" smtClean="0"/>
-              <a:t/>
             </a:r>
             <a:br>
               <a:rPr lang="hu-HU" dirty="0" smtClean="0"/>
@@ -6706,7 +6893,7 @@
         </p:blipFill>
         <p:spPr bwMode="auto">
           <a:xfrm>
-            <a:off x="142844" y="2000240"/>
+            <a:off x="142844" y="785794"/>
             <a:ext cx="8582056" cy="2266960"/>
           </a:xfrm>
           <a:prstGeom prst="rect">
@@ -6766,16 +6953,10 @@
         </p:nvSpPr>
         <p:spPr/>
         <p:txBody>
-          <a:bodyPr>
-            <a:normAutofit fontScale="90000"/>
-          </a:bodyPr>
-          <a:lstStyle/>
-          <a:p>
-            <a:r>
-              <a:rPr lang="hu-HU" sz="4000" b="1" dirty="0" smtClean="0"/>
-              <a:t>What we learned this week</a:t>
-            </a:r>
-            <a:endParaRPr lang="hu-HU" sz="4000" b="1" dirty="0"/>
+          <a:bodyPr/>
+          <a:lstStyle/>
+          <a:p>
+            <a:endParaRPr lang="hu-HU"/>
           </a:p>
         </p:txBody>
       </p:sp>
@@ -6789,105 +6970,18 @@
             <p:ph sz="quarter" idx="1"/>
           </p:nvPr>
         </p:nvSpPr>
-        <p:spPr>
-          <a:xfrm>
-            <a:off x="500034" y="1785926"/>
-            <a:ext cx="7467600" cy="4873752"/>
-          </a:xfrm>
-        </p:spPr>
+        <p:spPr/>
         <p:txBody>
           <a:bodyPr/>
           <a:lstStyle/>
           <a:p>
-            <a:r>
-              <a:rPr lang="hu-HU" dirty="0" smtClean="0"/>
-              <a:t>Stress Management Training </a:t>
-            </a:r>
-            <a:endParaRPr lang="hu-HU" dirty="0" smtClean="0"/>
-          </a:p>
-          <a:p>
-            <a:r>
-              <a:rPr lang="hu-HU" dirty="0" smtClean="0"/>
-              <a:t>Trial Exam</a:t>
-            </a:r>
-          </a:p>
-          <a:p>
-            <a:r>
-              <a:rPr lang="hu-HU" dirty="0" smtClean="0"/>
-              <a:t>Inheritance</a:t>
-            </a:r>
-          </a:p>
-          <a:p>
-            <a:r>
-              <a:rPr lang="hu-HU" dirty="0" smtClean="0"/>
-              <a:t>Abstracts and Interfaces</a:t>
-            </a:r>
-          </a:p>
-          <a:p>
-            <a:r>
-              <a:rPr lang="hu-HU" dirty="0" smtClean="0"/>
-              <a:t>Unit Testing</a:t>
-            </a:r>
-            <a:r>
-              <a:rPr lang="hu-HU" dirty="0" smtClean="0"/>
-              <a:t/>
-            </a:r>
-            <a:br>
-              <a:rPr lang="hu-HU" dirty="0" smtClean="0"/>
-            </a:br>
-            <a:endParaRPr lang="hu-HU" dirty="0" smtClean="0"/>
-          </a:p>
-        </p:txBody>
-      </p:sp>
-      <p:sp>
-        <p:nvSpPr>
-          <p:cNvPr id="5" name="TextBox 4"/>
-          <p:cNvSpPr txBox="1"/>
-          <p:nvPr/>
-        </p:nvSpPr>
-        <p:spPr>
-          <a:xfrm>
-            <a:off x="4214810" y="6273225"/>
-            <a:ext cx="4714908" cy="584775"/>
-          </a:xfrm>
-          <a:prstGeom prst="rect">
-            <a:avLst/>
-          </a:prstGeom>
-          <a:noFill/>
-        </p:spPr>
-        <p:txBody>
-          <a:bodyPr wrap="square" rtlCol="0">
-            <a:spAutoFit/>
-          </a:bodyPr>
-          <a:lstStyle/>
-          <a:p>
-            <a:pPr algn="ctr"/>
-            <a:r>
-              <a:rPr lang="hu-HU" sz="1600" dirty="0" smtClean="0">
-                <a:latin typeface="Bahnschrift Light" pitchFamily="34" charset="0"/>
-              </a:rPr>
-              <a:t>Alexandra Rujzam</a:t>
-            </a:r>
-            <a:br>
-              <a:rPr lang="hu-HU" sz="1600" dirty="0" smtClean="0">
-                <a:latin typeface="Bahnschrift Light" pitchFamily="34" charset="0"/>
-              </a:rPr>
-            </a:br>
-            <a:r>
-              <a:rPr lang="hu-HU" sz="1600" dirty="0" smtClean="0">
-                <a:latin typeface="Bahnschrift Light" pitchFamily="34" charset="0"/>
-              </a:rPr>
-              <a:t>https://github.com/greenfox-academy/szapszap</a:t>
-            </a:r>
-            <a:endParaRPr lang="hu-HU" sz="1600" dirty="0">
-              <a:latin typeface="Bahnschrift Light" pitchFamily="34" charset="0"/>
-            </a:endParaRPr>
+            <a:endParaRPr lang="hu-HU" dirty="0"/>
           </a:p>
         </p:txBody>
       </p:sp>
       <p:pic>
         <p:nvPicPr>
-          <p:cNvPr id="2050" name="Picture 2"/>
+          <p:cNvPr id="6146" name="Picture 2"/>
           <p:cNvPicPr>
             <a:picLocks noChangeAspect="1" noChangeArrowheads="1"/>
           </p:cNvPicPr>
@@ -6902,8 +6996,41 @@
         </p:blipFill>
         <p:spPr bwMode="auto">
           <a:xfrm>
-            <a:off x="4429124" y="2285992"/>
-            <a:ext cx="4177487" cy="3105156"/>
+            <a:off x="142844" y="785794"/>
+            <a:ext cx="8582056" cy="2266960"/>
+          </a:xfrm>
+          <a:prstGeom prst="rect">
+            <a:avLst/>
+          </a:prstGeom>
+          <a:noFill/>
+          <a:ln w="9525">
+            <a:noFill/>
+            <a:miter lim="800000"/>
+            <a:headEnd/>
+            <a:tailEnd/>
+          </a:ln>
+          <a:effectLst/>
+        </p:spPr>
+      </p:pic>
+      <p:pic>
+        <p:nvPicPr>
+          <p:cNvPr id="1026" name="Picture 2"/>
+          <p:cNvPicPr>
+            <a:picLocks noChangeAspect="1" noChangeArrowheads="1"/>
+          </p:cNvPicPr>
+          <p:nvPr/>
+        </p:nvPicPr>
+        <p:blipFill>
+          <a:blip r:embed="rId3"/>
+          <a:srcRect/>
+          <a:stretch>
+            <a:fillRect/>
+          </a:stretch>
+        </p:blipFill>
+        <p:spPr bwMode="auto">
+          <a:xfrm>
+            <a:off x="1857356" y="3125693"/>
+            <a:ext cx="3143272" cy="2398813"/>
           </a:xfrm>
           <a:prstGeom prst="rect">
             <a:avLst/>
